--- a/10_minikube/.figure/docker-compose構成.pptx
+++ b/10_minikube/.figure/docker-compose構成.pptx
@@ -254,7 +254,7 @@
           <a:p>
             <a:fld id="{F5EDD7F4-74AE-49D2-9907-778D7F901EE7}" type="datetimeFigureOut">
               <a:rPr lang="en-US" smtClean="0"/>
-              <a:t>3/7/2020</a:t>
+              <a:t>3/8/2020</a:t>
             </a:fld>
             <a:endParaRPr lang="en-US"/>
           </a:p>
@@ -456,7 +456,7 @@
           <a:p>
             <a:fld id="{F5EDD7F4-74AE-49D2-9907-778D7F901EE7}" type="datetimeFigureOut">
               <a:rPr lang="en-US" smtClean="0"/>
-              <a:t>3/7/2020</a:t>
+              <a:t>3/8/2020</a:t>
             </a:fld>
             <a:endParaRPr lang="en-US"/>
           </a:p>
@@ -668,7 +668,7 @@
           <a:p>
             <a:fld id="{F5EDD7F4-74AE-49D2-9907-778D7F901EE7}" type="datetimeFigureOut">
               <a:rPr lang="en-US" smtClean="0"/>
-              <a:t>3/7/2020</a:t>
+              <a:t>3/8/2020</a:t>
             </a:fld>
             <a:endParaRPr lang="en-US"/>
           </a:p>
@@ -870,7 +870,7 @@
           <a:p>
             <a:fld id="{F5EDD7F4-74AE-49D2-9907-778D7F901EE7}" type="datetimeFigureOut">
               <a:rPr lang="en-US" smtClean="0"/>
-              <a:t>3/7/2020</a:t>
+              <a:t>3/8/2020</a:t>
             </a:fld>
             <a:endParaRPr lang="en-US"/>
           </a:p>
@@ -1116,7 +1116,7 @@
           <a:p>
             <a:fld id="{F5EDD7F4-74AE-49D2-9907-778D7F901EE7}" type="datetimeFigureOut">
               <a:rPr lang="en-US" smtClean="0"/>
-              <a:t>3/7/2020</a:t>
+              <a:t>3/8/2020</a:t>
             </a:fld>
             <a:endParaRPr lang="en-US"/>
           </a:p>
@@ -1412,7 +1412,7 @@
           <a:p>
             <a:fld id="{F5EDD7F4-74AE-49D2-9907-778D7F901EE7}" type="datetimeFigureOut">
               <a:rPr lang="en-US" smtClean="0"/>
-              <a:t>3/7/2020</a:t>
+              <a:t>3/8/2020</a:t>
             </a:fld>
             <a:endParaRPr lang="en-US"/>
           </a:p>
@@ -1843,7 +1843,7 @@
           <a:p>
             <a:fld id="{F5EDD7F4-74AE-49D2-9907-778D7F901EE7}" type="datetimeFigureOut">
               <a:rPr lang="en-US" smtClean="0"/>
-              <a:t>3/7/2020</a:t>
+              <a:t>3/8/2020</a:t>
             </a:fld>
             <a:endParaRPr lang="en-US"/>
           </a:p>
@@ -1961,7 +1961,7 @@
           <a:p>
             <a:fld id="{F5EDD7F4-74AE-49D2-9907-778D7F901EE7}" type="datetimeFigureOut">
               <a:rPr lang="en-US" smtClean="0"/>
-              <a:t>3/7/2020</a:t>
+              <a:t>3/8/2020</a:t>
             </a:fld>
             <a:endParaRPr lang="en-US"/>
           </a:p>
@@ -2056,7 +2056,7 @@
           <a:p>
             <a:fld id="{F5EDD7F4-74AE-49D2-9907-778D7F901EE7}" type="datetimeFigureOut">
               <a:rPr lang="en-US" smtClean="0"/>
-              <a:t>3/7/2020</a:t>
+              <a:t>3/8/2020</a:t>
             </a:fld>
             <a:endParaRPr lang="en-US"/>
           </a:p>
@@ -2365,7 +2365,7 @@
           <a:p>
             <a:fld id="{F5EDD7F4-74AE-49D2-9907-778D7F901EE7}" type="datetimeFigureOut">
               <a:rPr lang="en-US" smtClean="0"/>
-              <a:t>3/7/2020</a:t>
+              <a:t>3/8/2020</a:t>
             </a:fld>
             <a:endParaRPr lang="en-US"/>
           </a:p>
@@ -2618,7 +2618,7 @@
           <a:p>
             <a:fld id="{F5EDD7F4-74AE-49D2-9907-778D7F901EE7}" type="datetimeFigureOut">
               <a:rPr lang="en-US" smtClean="0"/>
-              <a:t>3/7/2020</a:t>
+              <a:t>3/8/2020</a:t>
             </a:fld>
             <a:endParaRPr lang="en-US"/>
           </a:p>
@@ -2863,7 +2863,7 @@
           <a:p>
             <a:fld id="{F5EDD7F4-74AE-49D2-9907-778D7F901EE7}" type="datetimeFigureOut">
               <a:rPr lang="en-US" smtClean="0"/>
-              <a:t>3/7/2020</a:t>
+              <a:t>3/8/2020</a:t>
             </a:fld>
             <a:endParaRPr lang="en-US"/>
           </a:p>
@@ -3524,7 +3524,7 @@
         </p:nvSpPr>
         <p:spPr>
           <a:xfrm>
-            <a:off x="3796618" y="4249166"/>
+            <a:off x="3724426" y="4069332"/>
             <a:ext cx="753690" cy="341250"/>
           </a:xfrm>
           <a:prstGeom prst="roundRect">
@@ -3938,7 +3938,7 @@
         </p:nvSpPr>
         <p:spPr>
           <a:xfrm>
-            <a:off x="4665358" y="4249166"/>
+            <a:off x="4629262" y="4060706"/>
             <a:ext cx="894857" cy="341250"/>
           </a:xfrm>
           <a:prstGeom prst="roundRect">
@@ -4050,170 +4050,100 @@
           </a:p>
         </p:txBody>
       </p:sp>
-      <p:cxnSp>
-        <p:nvCxnSpPr>
-          <p:cNvPr id="33" name="直線コネクタ 32"/>
-          <p:cNvCxnSpPr/>
+      <p:sp>
+        <p:nvSpPr>
+          <p:cNvPr id="4" name="角丸四角形 3"/>
+          <p:cNvSpPr/>
           <p:nvPr/>
-        </p:nvCxnSpPr>
+        </p:nvSpPr>
+        <p:spPr>
+          <a:xfrm>
+            <a:off x="4129433" y="4464691"/>
+            <a:ext cx="999658" cy="340222"/>
+          </a:xfrm>
+          <a:prstGeom prst="roundRect">
+            <a:avLst/>
+          </a:prstGeom>
+        </p:spPr>
+        <p:style>
+          <a:lnRef idx="2">
+            <a:schemeClr val="accent2">
+              <a:shade val="50000"/>
+            </a:schemeClr>
+          </a:lnRef>
+          <a:fillRef idx="1">
+            <a:schemeClr val="accent2"/>
+          </a:fillRef>
+          <a:effectRef idx="0">
+            <a:schemeClr val="accent2"/>
+          </a:effectRef>
+          <a:fontRef idx="minor">
+            <a:schemeClr val="lt1"/>
+          </a:fontRef>
+        </p:style>
+        <p:txBody>
+          <a:bodyPr rtlCol="0" anchor="ctr"/>
+          <a:lstStyle/>
+          <a:p>
+            <a:pPr algn="ctr"/>
+            <a:r>
+              <a:rPr lang="en-US" sz="800" dirty="0" err="1"/>
+              <a:t>terasoluna-tourreservation-web.war</a:t>
+            </a:r>
+            <a:endParaRPr lang="en-US" sz="800" dirty="0"/>
+          </a:p>
+        </p:txBody>
+      </p:sp>
+      <p:sp>
+        <p:nvSpPr>
+          <p:cNvPr id="6" name="左カーブ矢印 5"/>
+          <p:cNvSpPr/>
+          <p:nvPr/>
+        </p:nvSpPr>
         <p:spPr>
           <a:xfrm flipV="1">
-            <a:off x="4954558" y="4911208"/>
-            <a:ext cx="0" cy="641582"/>
+            <a:off x="5323536" y="2982457"/>
+            <a:ext cx="731520" cy="1690299"/>
           </a:xfrm>
-          <a:prstGeom prst="line">
+          <a:prstGeom prst="curvedLeftArrow">
             <a:avLst/>
           </a:prstGeom>
-          <a:ln w="25400">
-            <a:solidFill>
-              <a:schemeClr val="bg1">
-                <a:lumMod val="50000"/>
-              </a:schemeClr>
-            </a:solidFill>
-            <a:headEnd type="oval"/>
-            <a:tailEnd type="oval"/>
+          <a:solidFill>
+            <a:schemeClr val="bg1"/>
+          </a:solidFill>
+          <a:ln>
+            <a:tailEnd w="lg" len="lg"/>
           </a:ln>
         </p:spPr>
         <p:style>
-          <a:lnRef idx="1">
-            <a:schemeClr val="accent1"/>
+          <a:lnRef idx="2">
+            <a:schemeClr val="accent1">
+              <a:shade val="50000"/>
+            </a:schemeClr>
           </a:lnRef>
-          <a:fillRef idx="0">
+          <a:fillRef idx="1">
             <a:schemeClr val="accent1"/>
           </a:fillRef>
           <a:effectRef idx="0">
             <a:schemeClr val="accent1"/>
           </a:effectRef>
           <a:fontRef idx="minor">
-            <a:schemeClr val="tx1"/>
+            <a:schemeClr val="lt1"/>
           </a:fontRef>
         </p:style>
-      </p:cxnSp>
-      <p:sp>
-        <p:nvSpPr>
-          <p:cNvPr id="40" name="テキスト ボックス 39"/>
-          <p:cNvSpPr txBox="1"/>
-          <p:nvPr/>
-        </p:nvSpPr>
-        <p:spPr>
-          <a:xfrm>
-            <a:off x="4978715" y="4924221"/>
-            <a:ext cx="1533177" cy="307777"/>
-          </a:xfrm>
-          <a:prstGeom prst="rect">
-            <a:avLst/>
-          </a:prstGeom>
-          <a:noFill/>
-        </p:spPr>
-        <p:txBody>
-          <a:bodyPr wrap="none" rtlCol="0">
-            <a:spAutoFit/>
-          </a:bodyPr>
-          <a:lstStyle/>
-          <a:p>
-            <a:r>
-              <a:rPr lang="en-US" sz="1400" dirty="0" smtClean="0"/>
-              <a:t>/</a:t>
-            </a:r>
-            <a:r>
-              <a:rPr lang="en-US" sz="1400" dirty="0" err="1" smtClean="0"/>
-              <a:t>usr</a:t>
-            </a:r>
-            <a:r>
-              <a:rPr lang="en-US" sz="1400" dirty="0" smtClean="0"/>
-              <a:t>/</a:t>
-            </a:r>
-            <a:r>
-              <a:rPr lang="en-US" sz="1400" dirty="0" err="1" smtClean="0"/>
-              <a:t>src</a:t>
-            </a:r>
-            <a:r>
-              <a:rPr lang="en-US" sz="1400" dirty="0" smtClean="0"/>
-              <a:t>/</a:t>
-            </a:r>
-            <a:r>
-              <a:rPr lang="en-US" sz="1400" dirty="0" err="1" smtClean="0"/>
-              <a:t>mymaven</a:t>
-            </a:r>
-            <a:endParaRPr lang="en-US" sz="1400" dirty="0"/>
-          </a:p>
-        </p:txBody>
-      </p:sp>
-      <p:sp>
-        <p:nvSpPr>
-          <p:cNvPr id="43" name="テキスト ボックス 42"/>
-          <p:cNvSpPr txBox="1"/>
-          <p:nvPr/>
-        </p:nvSpPr>
-        <p:spPr>
-          <a:xfrm>
-            <a:off x="4954558" y="5610070"/>
-            <a:ext cx="1706814" cy="307777"/>
-          </a:xfrm>
-          <a:prstGeom prst="rect">
-            <a:avLst/>
-          </a:prstGeom>
-          <a:noFill/>
-        </p:spPr>
-        <p:txBody>
-          <a:bodyPr wrap="none" rtlCol="0">
-            <a:spAutoFit/>
-          </a:bodyPr>
-          <a:lstStyle/>
-          <a:p>
-            <a:r>
-              <a:rPr lang="en-US" sz="1400" dirty="0"/>
-              <a:t>~/td/</a:t>
-            </a:r>
-            <a:r>
-              <a:rPr lang="en-US" sz="1400" dirty="0" err="1"/>
-              <a:t>tourreservation</a:t>
-            </a:r>
-            <a:endParaRPr lang="en-US" sz="1400" dirty="0"/>
-          </a:p>
-        </p:txBody>
-      </p:sp>
-      <p:cxnSp>
-        <p:nvCxnSpPr>
-          <p:cNvPr id="44" name="直線矢印コネクタ 43"/>
-          <p:cNvCxnSpPr>
-            <a:stCxn id="9" idx="3"/>
-          </p:cNvCxnSpPr>
-          <p:nvPr/>
-        </p:nvCxnSpPr>
-        <p:spPr>
-          <a:xfrm flipV="1">
-            <a:off x="5675265" y="3237472"/>
-            <a:ext cx="1290595" cy="1013360"/>
-          </a:xfrm>
-          <a:prstGeom prst="straightConnector1">
-            <a:avLst/>
-          </a:prstGeom>
-          <a:ln w="28575">
-            <a:solidFill>
-              <a:schemeClr val="bg1">
-                <a:lumMod val="50000"/>
-              </a:schemeClr>
-            </a:solidFill>
-            <a:prstDash val="solid"/>
-            <a:tailEnd type="stealth" w="lg" len="lg"/>
-          </a:ln>
-        </p:spPr>
-        <p:style>
-          <a:lnRef idx="1">
-            <a:schemeClr val="accent1"/>
-          </a:lnRef>
-          <a:fillRef idx="0">
-            <a:schemeClr val="accent1"/>
-          </a:fillRef>
-          <a:effectRef idx="0">
-            <a:schemeClr val="accent1"/>
-          </a:effectRef>
-          <a:fontRef idx="minor">
-            <a:schemeClr val="tx1"/>
-          </a:fontRef>
-        </p:style>
-      </p:cxnSp>
+        <p:txBody>
+          <a:bodyPr rtlCol="0" anchor="ctr"/>
+          <a:lstStyle/>
+          <a:p>
+            <a:pPr algn="ctr"/>
+            <a:endParaRPr lang="en-US">
+              <a:solidFill>
+                <a:schemeClr val="tx1"/>
+              </a:solidFill>
+            </a:endParaRPr>
+          </a:p>
+        </p:txBody>
+      </p:sp>
     </p:spTree>
     <p:extLst>
       <p:ext uri="{BB962C8B-B14F-4D97-AF65-F5344CB8AC3E}">
